--- a/Infer_Temp/mNLP/mNLP.pptx
+++ b/Infer_Temp/mNLP/mNLP.pptx
@@ -261,7 +261,7 @@
           <a:p>
             <a:fld id="{2003143D-70B1-6C4D-94ED-EE15F209B446}" type="datetimeFigureOut">
               <a:rPr lang="en-NO" smtClean="0"/>
-              <a:t>04/10/2022</a:t>
+              <a:t>11/10/2022</a:t>
             </a:fld>
             <a:endParaRPr lang="en-NO"/>
           </a:p>
@@ -461,7 +461,7 @@
           <a:p>
             <a:fld id="{2003143D-70B1-6C4D-94ED-EE15F209B446}" type="datetimeFigureOut">
               <a:rPr lang="en-NO" smtClean="0"/>
-              <a:t>04/10/2022</a:t>
+              <a:t>11/10/2022</a:t>
             </a:fld>
             <a:endParaRPr lang="en-NO"/>
           </a:p>
@@ -671,7 +671,7 @@
           <a:p>
             <a:fld id="{2003143D-70B1-6C4D-94ED-EE15F209B446}" type="datetimeFigureOut">
               <a:rPr lang="en-NO" smtClean="0"/>
-              <a:t>04/10/2022</a:t>
+              <a:t>11/10/2022</a:t>
             </a:fld>
             <a:endParaRPr lang="en-NO"/>
           </a:p>
@@ -871,7 +871,7 @@
           <a:p>
             <a:fld id="{2003143D-70B1-6C4D-94ED-EE15F209B446}" type="datetimeFigureOut">
               <a:rPr lang="en-NO" smtClean="0"/>
-              <a:t>04/10/2022</a:t>
+              <a:t>11/10/2022</a:t>
             </a:fld>
             <a:endParaRPr lang="en-NO"/>
           </a:p>
@@ -1147,7 +1147,7 @@
           <a:p>
             <a:fld id="{2003143D-70B1-6C4D-94ED-EE15F209B446}" type="datetimeFigureOut">
               <a:rPr lang="en-NO" smtClean="0"/>
-              <a:t>04/10/2022</a:t>
+              <a:t>11/10/2022</a:t>
             </a:fld>
             <a:endParaRPr lang="en-NO"/>
           </a:p>
@@ -1415,7 +1415,7 @@
           <a:p>
             <a:fld id="{2003143D-70B1-6C4D-94ED-EE15F209B446}" type="datetimeFigureOut">
               <a:rPr lang="en-NO" smtClean="0"/>
-              <a:t>04/10/2022</a:t>
+              <a:t>11/10/2022</a:t>
             </a:fld>
             <a:endParaRPr lang="en-NO"/>
           </a:p>
@@ -1830,7 +1830,7 @@
           <a:p>
             <a:fld id="{2003143D-70B1-6C4D-94ED-EE15F209B446}" type="datetimeFigureOut">
               <a:rPr lang="en-NO" smtClean="0"/>
-              <a:t>04/10/2022</a:t>
+              <a:t>11/10/2022</a:t>
             </a:fld>
             <a:endParaRPr lang="en-NO"/>
           </a:p>
@@ -1972,7 +1972,7 @@
           <a:p>
             <a:fld id="{2003143D-70B1-6C4D-94ED-EE15F209B446}" type="datetimeFigureOut">
               <a:rPr lang="en-NO" smtClean="0"/>
-              <a:t>04/10/2022</a:t>
+              <a:t>11/10/2022</a:t>
             </a:fld>
             <a:endParaRPr lang="en-NO"/>
           </a:p>
@@ -2085,7 +2085,7 @@
           <a:p>
             <a:fld id="{2003143D-70B1-6C4D-94ED-EE15F209B446}" type="datetimeFigureOut">
               <a:rPr lang="en-NO" smtClean="0"/>
-              <a:t>04/10/2022</a:t>
+              <a:t>11/10/2022</a:t>
             </a:fld>
             <a:endParaRPr lang="en-NO"/>
           </a:p>
@@ -2398,7 +2398,7 @@
           <a:p>
             <a:fld id="{2003143D-70B1-6C4D-94ED-EE15F209B446}" type="datetimeFigureOut">
               <a:rPr lang="en-NO" smtClean="0"/>
-              <a:t>04/10/2022</a:t>
+              <a:t>11/10/2022</a:t>
             </a:fld>
             <a:endParaRPr lang="en-NO"/>
           </a:p>
@@ -2687,7 +2687,7 @@
           <a:p>
             <a:fld id="{2003143D-70B1-6C4D-94ED-EE15F209B446}" type="datetimeFigureOut">
               <a:rPr lang="en-NO" smtClean="0"/>
-              <a:t>04/10/2022</a:t>
+              <a:t>11/10/2022</a:t>
             </a:fld>
             <a:endParaRPr lang="en-NO"/>
           </a:p>
@@ -2930,7 +2930,7 @@
           <a:p>
             <a:fld id="{2003143D-70B1-6C4D-94ED-EE15F209B446}" type="datetimeFigureOut">
               <a:rPr lang="en-NO" smtClean="0"/>
-              <a:t>04/10/2022</a:t>
+              <a:t>11/10/2022</a:t>
             </a:fld>
             <a:endParaRPr lang="en-NO"/>
           </a:p>
@@ -3510,87 +3510,6 @@
       </p:grpSp>
       <p:grpSp>
         <p:nvGrpSpPr>
-          <p:cNvPr id="24" name="Group 23">
-            <a:extLst>
-              <a:ext uri="{FF2B5EF4-FFF2-40B4-BE49-F238E27FC236}">
-                <a16:creationId xmlns:a16="http://schemas.microsoft.com/office/drawing/2014/main" id="{508675C9-614F-9CC7-5E6A-EAB56D51BE46}"/>
-              </a:ext>
-            </a:extLst>
-          </p:cNvPr>
-          <p:cNvGrpSpPr/>
-          <p:nvPr/>
-        </p:nvGrpSpPr>
-        <p:grpSpPr>
-          <a:xfrm>
-            <a:off x="-15051024" y="6583680"/>
-            <a:ext cx="14061440" cy="6858000"/>
-            <a:chOff x="-15051024" y="6583680"/>
-            <a:chExt cx="14061440" cy="6858000"/>
-          </a:xfrm>
-        </p:grpSpPr>
-        <p:pic>
-          <p:nvPicPr>
-            <p:cNvPr id="21" name="Picture 20">
-              <a:extLst>
-                <a:ext uri="{FF2B5EF4-FFF2-40B4-BE49-F238E27FC236}">
-                  <a16:creationId xmlns:a16="http://schemas.microsoft.com/office/drawing/2014/main" id="{D31E4B22-C63A-3D1B-4BF3-90FF9B25DCD0}"/>
-                </a:ext>
-              </a:extLst>
-            </p:cNvPr>
-            <p:cNvPicPr>
-              <a:picLocks noChangeAspect="1"/>
-            </p:cNvPicPr>
-            <p:nvPr/>
-          </p:nvPicPr>
-          <p:blipFill>
-            <a:blip r:embed="rId5"/>
-            <a:stretch>
-              <a:fillRect/>
-            </a:stretch>
-          </p:blipFill>
-          <p:spPr>
-            <a:xfrm>
-              <a:off x="-15051024" y="6583680"/>
-              <a:ext cx="7254240" cy="6858000"/>
-            </a:xfrm>
-            <a:prstGeom prst="rect">
-              <a:avLst/>
-            </a:prstGeom>
-          </p:spPr>
-        </p:pic>
-        <p:pic>
-          <p:nvPicPr>
-            <p:cNvPr id="23" name="Picture 22">
-              <a:extLst>
-                <a:ext uri="{FF2B5EF4-FFF2-40B4-BE49-F238E27FC236}">
-                  <a16:creationId xmlns:a16="http://schemas.microsoft.com/office/drawing/2014/main" id="{1BA0474B-383F-2741-3A20-5C5F3807400B}"/>
-                </a:ext>
-              </a:extLst>
-            </p:cNvPr>
-            <p:cNvPicPr>
-              <a:picLocks noChangeAspect="1"/>
-            </p:cNvPicPr>
-            <p:nvPr/>
-          </p:nvPicPr>
-          <p:blipFill>
-            <a:blip r:embed="rId6"/>
-            <a:stretch>
-              <a:fillRect/>
-            </a:stretch>
-          </p:blipFill>
-          <p:spPr>
-            <a:xfrm>
-              <a:off x="-7796784" y="6583680"/>
-              <a:ext cx="6807200" cy="6858000"/>
-            </a:xfrm>
-            <a:prstGeom prst="rect">
-              <a:avLst/>
-            </a:prstGeom>
-          </p:spPr>
-        </p:pic>
-      </p:grpSp>
-      <p:grpSp>
-        <p:nvGrpSpPr>
           <p:cNvPr id="25" name="Group 24">
             <a:extLst>
               <a:ext uri="{FF2B5EF4-FFF2-40B4-BE49-F238E27FC236}">
@@ -3765,7 +3684,7 @@
             <p:nvPr/>
           </p:nvPicPr>
           <p:blipFill>
-            <a:blip r:embed="rId7"/>
+            <a:blip r:embed="rId5"/>
             <a:stretch>
               <a:fillRect/>
             </a:stretch>
@@ -3774,6 +3693,87 @@
             <a:xfrm>
               <a:off x="16866704" y="8825948"/>
               <a:ext cx="7162800" cy="6858000"/>
+            </a:xfrm>
+            <a:prstGeom prst="rect">
+              <a:avLst/>
+            </a:prstGeom>
+          </p:spPr>
+        </p:pic>
+      </p:grpSp>
+      <p:grpSp>
+        <p:nvGrpSpPr>
+          <p:cNvPr id="10" name="Group 9">
+            <a:extLst>
+              <a:ext uri="{FF2B5EF4-FFF2-40B4-BE49-F238E27FC236}">
+                <a16:creationId xmlns:a16="http://schemas.microsoft.com/office/drawing/2014/main" id="{453C3090-257E-A857-D06D-C83EA89A5A5D}"/>
+              </a:ext>
+            </a:extLst>
+          </p:cNvPr>
+          <p:cNvGrpSpPr/>
+          <p:nvPr/>
+        </p:nvGrpSpPr>
+        <p:grpSpPr>
+          <a:xfrm>
+            <a:off x="-10334645" y="4551363"/>
+            <a:ext cx="14061440" cy="6858000"/>
+            <a:chOff x="-10334645" y="4551363"/>
+            <a:chExt cx="14061440" cy="6858000"/>
+          </a:xfrm>
+        </p:grpSpPr>
+        <p:pic>
+          <p:nvPicPr>
+            <p:cNvPr id="21" name="Picture 20">
+              <a:extLst>
+                <a:ext uri="{FF2B5EF4-FFF2-40B4-BE49-F238E27FC236}">
+                  <a16:creationId xmlns:a16="http://schemas.microsoft.com/office/drawing/2014/main" id="{D31E4B22-C63A-3D1B-4BF3-90FF9B25DCD0}"/>
+                </a:ext>
+              </a:extLst>
+            </p:cNvPr>
+            <p:cNvPicPr>
+              <a:picLocks noChangeAspect="1"/>
+            </p:cNvPicPr>
+            <p:nvPr/>
+          </p:nvPicPr>
+          <p:blipFill>
+            <a:blip r:embed="rId6"/>
+            <a:stretch>
+              <a:fillRect/>
+            </a:stretch>
+          </p:blipFill>
+          <p:spPr>
+            <a:xfrm>
+              <a:off x="-10334645" y="4551363"/>
+              <a:ext cx="7254240" cy="6858000"/>
+            </a:xfrm>
+            <a:prstGeom prst="rect">
+              <a:avLst/>
+            </a:prstGeom>
+          </p:spPr>
+        </p:pic>
+        <p:pic>
+          <p:nvPicPr>
+            <p:cNvPr id="7" name="Picture 6">
+              <a:extLst>
+                <a:ext uri="{FF2B5EF4-FFF2-40B4-BE49-F238E27FC236}">
+                  <a16:creationId xmlns:a16="http://schemas.microsoft.com/office/drawing/2014/main" id="{D443E5EF-2A9A-2B3E-9C5C-EE81A47A3F2A}"/>
+                </a:ext>
+              </a:extLst>
+            </p:cNvPr>
+            <p:cNvPicPr>
+              <a:picLocks noChangeAspect="1"/>
+            </p:cNvPicPr>
+            <p:nvPr/>
+          </p:nvPicPr>
+          <p:blipFill>
+            <a:blip r:embed="rId7"/>
+            <a:stretch>
+              <a:fillRect/>
+            </a:stretch>
+          </p:blipFill>
+          <p:spPr>
+            <a:xfrm>
+              <a:off x="-3080405" y="4551363"/>
+              <a:ext cx="6807200" cy="6858000"/>
             </a:xfrm>
             <a:prstGeom prst="rect">
               <a:avLst/>

--- a/Infer_Temp/mNLP/mNLP.pptx
+++ b/Infer_Temp/mNLP/mNLP.pptx
@@ -261,7 +261,7 @@
           <a:p>
             <a:fld id="{2003143D-70B1-6C4D-94ED-EE15F209B446}" type="datetimeFigureOut">
               <a:rPr lang="en-NO" smtClean="0"/>
-              <a:t>11/10/2022</a:t>
+              <a:t>14/10/2022</a:t>
             </a:fld>
             <a:endParaRPr lang="en-NO"/>
           </a:p>
@@ -461,7 +461,7 @@
           <a:p>
             <a:fld id="{2003143D-70B1-6C4D-94ED-EE15F209B446}" type="datetimeFigureOut">
               <a:rPr lang="en-NO" smtClean="0"/>
-              <a:t>11/10/2022</a:t>
+              <a:t>14/10/2022</a:t>
             </a:fld>
             <a:endParaRPr lang="en-NO"/>
           </a:p>
@@ -671,7 +671,7 @@
           <a:p>
             <a:fld id="{2003143D-70B1-6C4D-94ED-EE15F209B446}" type="datetimeFigureOut">
               <a:rPr lang="en-NO" smtClean="0"/>
-              <a:t>11/10/2022</a:t>
+              <a:t>14/10/2022</a:t>
             </a:fld>
             <a:endParaRPr lang="en-NO"/>
           </a:p>
@@ -871,7 +871,7 @@
           <a:p>
             <a:fld id="{2003143D-70B1-6C4D-94ED-EE15F209B446}" type="datetimeFigureOut">
               <a:rPr lang="en-NO" smtClean="0"/>
-              <a:t>11/10/2022</a:t>
+              <a:t>14/10/2022</a:t>
             </a:fld>
             <a:endParaRPr lang="en-NO"/>
           </a:p>
@@ -1147,7 +1147,7 @@
           <a:p>
             <a:fld id="{2003143D-70B1-6C4D-94ED-EE15F209B446}" type="datetimeFigureOut">
               <a:rPr lang="en-NO" smtClean="0"/>
-              <a:t>11/10/2022</a:t>
+              <a:t>14/10/2022</a:t>
             </a:fld>
             <a:endParaRPr lang="en-NO"/>
           </a:p>
@@ -1415,7 +1415,7 @@
           <a:p>
             <a:fld id="{2003143D-70B1-6C4D-94ED-EE15F209B446}" type="datetimeFigureOut">
               <a:rPr lang="en-NO" smtClean="0"/>
-              <a:t>11/10/2022</a:t>
+              <a:t>14/10/2022</a:t>
             </a:fld>
             <a:endParaRPr lang="en-NO"/>
           </a:p>
@@ -1830,7 +1830,7 @@
           <a:p>
             <a:fld id="{2003143D-70B1-6C4D-94ED-EE15F209B446}" type="datetimeFigureOut">
               <a:rPr lang="en-NO" smtClean="0"/>
-              <a:t>11/10/2022</a:t>
+              <a:t>14/10/2022</a:t>
             </a:fld>
             <a:endParaRPr lang="en-NO"/>
           </a:p>
@@ -1972,7 +1972,7 @@
           <a:p>
             <a:fld id="{2003143D-70B1-6C4D-94ED-EE15F209B446}" type="datetimeFigureOut">
               <a:rPr lang="en-NO" smtClean="0"/>
-              <a:t>11/10/2022</a:t>
+              <a:t>14/10/2022</a:t>
             </a:fld>
             <a:endParaRPr lang="en-NO"/>
           </a:p>
@@ -2085,7 +2085,7 @@
           <a:p>
             <a:fld id="{2003143D-70B1-6C4D-94ED-EE15F209B446}" type="datetimeFigureOut">
               <a:rPr lang="en-NO" smtClean="0"/>
-              <a:t>11/10/2022</a:t>
+              <a:t>14/10/2022</a:t>
             </a:fld>
             <a:endParaRPr lang="en-NO"/>
           </a:p>
@@ -2398,7 +2398,7 @@
           <a:p>
             <a:fld id="{2003143D-70B1-6C4D-94ED-EE15F209B446}" type="datetimeFigureOut">
               <a:rPr lang="en-NO" smtClean="0"/>
-              <a:t>11/10/2022</a:t>
+              <a:t>14/10/2022</a:t>
             </a:fld>
             <a:endParaRPr lang="en-NO"/>
           </a:p>
@@ -2687,7 +2687,7 @@
           <a:p>
             <a:fld id="{2003143D-70B1-6C4D-94ED-EE15F209B446}" type="datetimeFigureOut">
               <a:rPr lang="en-NO" smtClean="0"/>
-              <a:t>11/10/2022</a:t>
+              <a:t>14/10/2022</a:t>
             </a:fld>
             <a:endParaRPr lang="en-NO"/>
           </a:p>
@@ -2930,7 +2930,7 @@
           <a:p>
             <a:fld id="{2003143D-70B1-6C4D-94ED-EE15F209B446}" type="datetimeFigureOut">
               <a:rPr lang="en-NO" smtClean="0"/>
-              <a:t>11/10/2022</a:t>
+              <a:t>14/10/2022</a:t>
             </a:fld>
             <a:endParaRPr lang="en-NO"/>
           </a:p>
@@ -3621,10 +3621,10 @@
       </p:grpSp>
       <p:grpSp>
         <p:nvGrpSpPr>
-          <p:cNvPr id="9" name="Group 8">
-            <a:extLst>
-              <a:ext uri="{FF2B5EF4-FFF2-40B4-BE49-F238E27FC236}">
-                <a16:creationId xmlns:a16="http://schemas.microsoft.com/office/drawing/2014/main" id="{4F3D0334-A84E-1926-683C-A00FB1506985}"/>
+          <p:cNvPr id="15" name="Group 14">
+            <a:extLst>
+              <a:ext uri="{FF2B5EF4-FFF2-40B4-BE49-F238E27FC236}">
+                <a16:creationId xmlns:a16="http://schemas.microsoft.com/office/drawing/2014/main" id="{365784F0-F6EC-AD4E-C437-477BD013EB0D}"/>
               </a:ext>
             </a:extLst>
           </p:cNvPr>
@@ -3633,48 +3633,18 @@
         </p:nvGrpSpPr>
         <p:grpSpPr>
           <a:xfrm>
-            <a:off x="9612464" y="8825948"/>
+            <a:off x="2142309" y="8196943"/>
             <a:ext cx="14417040" cy="6858000"/>
-            <a:chOff x="9612464" y="8825948"/>
+            <a:chOff x="2142309" y="8196943"/>
             <a:chExt cx="14417040" cy="6858000"/>
           </a:xfrm>
         </p:grpSpPr>
         <p:pic>
           <p:nvPicPr>
-            <p:cNvPr id="5" name="Picture 4">
+            <p:cNvPr id="11" name="Picture 10">
               <a:extLst>
                 <a:ext uri="{FF2B5EF4-FFF2-40B4-BE49-F238E27FC236}">
-                  <a16:creationId xmlns:a16="http://schemas.microsoft.com/office/drawing/2014/main" id="{94E0E0A1-413D-6A13-1050-0A8BB4577B67}"/>
-                </a:ext>
-              </a:extLst>
-            </p:cNvPr>
-            <p:cNvPicPr>
-              <a:picLocks noChangeAspect="1"/>
-            </p:cNvPicPr>
-            <p:nvPr/>
-          </p:nvPicPr>
-          <p:blipFill>
-            <a:blip r:embed="rId2"/>
-            <a:stretch>
-              <a:fillRect/>
-            </a:stretch>
-          </p:blipFill>
-          <p:spPr>
-            <a:xfrm>
-              <a:off x="9612464" y="8825948"/>
-              <a:ext cx="7254240" cy="6858000"/>
-            </a:xfrm>
-            <a:prstGeom prst="rect">
-              <a:avLst/>
-            </a:prstGeom>
-          </p:spPr>
-        </p:pic>
-        <p:pic>
-          <p:nvPicPr>
-            <p:cNvPr id="8" name="Picture 7">
-              <a:extLst>
-                <a:ext uri="{FF2B5EF4-FFF2-40B4-BE49-F238E27FC236}">
-                  <a16:creationId xmlns:a16="http://schemas.microsoft.com/office/drawing/2014/main" id="{0905BFE2-11B0-F933-A065-399DAFE0E24F}"/>
+                  <a16:creationId xmlns:a16="http://schemas.microsoft.com/office/drawing/2014/main" id="{448A7BD3-3872-ED0C-E0E2-AF09EC41CD5C}"/>
                 </a:ext>
               </a:extLst>
             </p:cNvPr>
@@ -3691,41 +3661,20 @@
           </p:blipFill>
           <p:spPr>
             <a:xfrm>
-              <a:off x="16866704" y="8825948"/>
-              <a:ext cx="7162800" cy="6858000"/>
+              <a:off x="2142309" y="8196943"/>
+              <a:ext cx="7254240" cy="6858000"/>
             </a:xfrm>
             <a:prstGeom prst="rect">
               <a:avLst/>
             </a:prstGeom>
           </p:spPr>
         </p:pic>
-      </p:grpSp>
-      <p:grpSp>
-        <p:nvGrpSpPr>
-          <p:cNvPr id="10" name="Group 9">
-            <a:extLst>
-              <a:ext uri="{FF2B5EF4-FFF2-40B4-BE49-F238E27FC236}">
-                <a16:creationId xmlns:a16="http://schemas.microsoft.com/office/drawing/2014/main" id="{453C3090-257E-A857-D06D-C83EA89A5A5D}"/>
-              </a:ext>
-            </a:extLst>
-          </p:cNvPr>
-          <p:cNvGrpSpPr/>
-          <p:nvPr/>
-        </p:nvGrpSpPr>
-        <p:grpSpPr>
-          <a:xfrm>
-            <a:off x="-10334645" y="4551363"/>
-            <a:ext cx="14061440" cy="6858000"/>
-            <a:chOff x="-10334645" y="4551363"/>
-            <a:chExt cx="14061440" cy="6858000"/>
-          </a:xfrm>
-        </p:grpSpPr>
         <p:pic>
           <p:nvPicPr>
-            <p:cNvPr id="21" name="Picture 20">
+            <p:cNvPr id="13" name="Picture 12">
               <a:extLst>
                 <a:ext uri="{FF2B5EF4-FFF2-40B4-BE49-F238E27FC236}">
-                  <a16:creationId xmlns:a16="http://schemas.microsoft.com/office/drawing/2014/main" id="{D31E4B22-C63A-3D1B-4BF3-90FF9B25DCD0}"/>
+                  <a16:creationId xmlns:a16="http://schemas.microsoft.com/office/drawing/2014/main" id="{FB0A21A6-1D2D-7E11-B673-88CB1963022E}"/>
                 </a:ext>
               </a:extLst>
             </p:cNvPr>
@@ -3742,20 +3691,41 @@
           </p:blipFill>
           <p:spPr>
             <a:xfrm>
-              <a:off x="-10334645" y="4551363"/>
-              <a:ext cx="7254240" cy="6858000"/>
+              <a:off x="9396549" y="8196943"/>
+              <a:ext cx="7162800" cy="6858000"/>
             </a:xfrm>
             <a:prstGeom prst="rect">
               <a:avLst/>
             </a:prstGeom>
           </p:spPr>
         </p:pic>
+      </p:grpSp>
+      <p:grpSp>
+        <p:nvGrpSpPr>
+          <p:cNvPr id="23" name="Group 22">
+            <a:extLst>
+              <a:ext uri="{FF2B5EF4-FFF2-40B4-BE49-F238E27FC236}">
+                <a16:creationId xmlns:a16="http://schemas.microsoft.com/office/drawing/2014/main" id="{28EED438-589F-E16F-01E1-9EDF2B54FA4F}"/>
+              </a:ext>
+            </a:extLst>
+          </p:cNvPr>
+          <p:cNvGrpSpPr/>
+          <p:nvPr/>
+        </p:nvGrpSpPr>
+        <p:grpSpPr>
+          <a:xfrm>
+            <a:off x="14943909" y="-6702539"/>
+            <a:ext cx="14061440" cy="6858000"/>
+            <a:chOff x="14943909" y="-6702539"/>
+            <a:chExt cx="14061440" cy="6858000"/>
+          </a:xfrm>
+        </p:grpSpPr>
         <p:pic>
           <p:nvPicPr>
-            <p:cNvPr id="7" name="Picture 6">
+            <p:cNvPr id="17" name="Picture 16">
               <a:extLst>
                 <a:ext uri="{FF2B5EF4-FFF2-40B4-BE49-F238E27FC236}">
-                  <a16:creationId xmlns:a16="http://schemas.microsoft.com/office/drawing/2014/main" id="{D443E5EF-2A9A-2B3E-9C5C-EE81A47A3F2A}"/>
+                  <a16:creationId xmlns:a16="http://schemas.microsoft.com/office/drawing/2014/main" id="{A247E579-C22D-EB3A-F555-3E0FBF5BA4F6}"/>
                 </a:ext>
               </a:extLst>
             </p:cNvPr>
@@ -3772,7 +3742,37 @@
           </p:blipFill>
           <p:spPr>
             <a:xfrm>
-              <a:off x="-3080405" y="4551363"/>
+              <a:off x="14943909" y="-6702539"/>
+              <a:ext cx="7254240" cy="6858000"/>
+            </a:xfrm>
+            <a:prstGeom prst="rect">
+              <a:avLst/>
+            </a:prstGeom>
+          </p:spPr>
+        </p:pic>
+        <p:pic>
+          <p:nvPicPr>
+            <p:cNvPr id="22" name="Picture 21">
+              <a:extLst>
+                <a:ext uri="{FF2B5EF4-FFF2-40B4-BE49-F238E27FC236}">
+                  <a16:creationId xmlns:a16="http://schemas.microsoft.com/office/drawing/2014/main" id="{A013494B-3A0E-B8F0-B467-AF18E44375E6}"/>
+                </a:ext>
+              </a:extLst>
+            </p:cNvPr>
+            <p:cNvPicPr>
+              <a:picLocks noChangeAspect="1"/>
+            </p:cNvPicPr>
+            <p:nvPr/>
+          </p:nvPicPr>
+          <p:blipFill>
+            <a:blip r:embed="rId8"/>
+            <a:stretch>
+              <a:fillRect/>
+            </a:stretch>
+          </p:blipFill>
+          <p:spPr>
+            <a:xfrm>
+              <a:off x="22198149" y="-6702539"/>
               <a:ext cx="6807200" cy="6858000"/>
             </a:xfrm>
             <a:prstGeom prst="rect">
